--- a/Courses/Computer-Modeling-and-IT/Computer-Modeling-and-IT-5-Class/24-Text-Formatting/24-Text-Formatting.pptx
+++ b/Courses/Computer-Modeling-and-IT/Computer-Modeling-and-IT-5-Class/24-Text-Formatting/24-Text-Formatting.pptx
@@ -297,7 +297,7 @@
           <a:p>
             <a:fld id="{4E087215-0C8F-4762-A664-737A353EC9A4}" type="datetimeFigureOut">
               <a:rPr lang="bg-BG" smtClean="0"/>
-              <a:t>19.2.2024 г.</a:t>
+              <a:t>23.2.2024 г.</a:t>
             </a:fld>
             <a:endParaRPr lang="bg-BG"/>
           </a:p>
@@ -493,7 +493,7 @@
           <a:p>
             <a:fld id="{72D84649-876A-46C9-8472-14CB09C070D8}" type="datetimeFigureOut">
               <a:rPr lang="en-US" smtClean="0"/>
-              <a:t>2/19/2024</a:t>
+              <a:t>2/23/2024</a:t>
             </a:fld>
             <a:endParaRPr lang="en-US"/>
           </a:p>
@@ -7113,6 +7113,36 @@
           </a:p>
         </p:txBody>
       </p:sp>
+      <p:pic>
+        <p:nvPicPr>
+          <p:cNvPr id="4" name="Picture 3"/>
+          <p:cNvPicPr>
+            <a:picLocks noChangeAspect="1"/>
+          </p:cNvPicPr>
+          <p:nvPr/>
+        </p:nvPicPr>
+        <p:blipFill>
+          <a:blip r:embed="rId5">
+            <a:extLst>
+              <a:ext uri="{28A0092B-C50C-407E-A947-70E740481C1C}">
+                <a14:useLocalDpi xmlns:a14="http://schemas.microsoft.com/office/drawing/2010/main" val="0"/>
+              </a:ext>
+            </a:extLst>
+          </a:blip>
+          <a:stretch>
+            <a:fillRect/>
+          </a:stretch>
+        </p:blipFill>
+        <p:spPr>
+          <a:xfrm>
+            <a:off x="534045" y="3160306"/>
+            <a:ext cx="1916955" cy="857909"/>
+          </a:xfrm>
+          <a:prstGeom prst="rect">
+            <a:avLst/>
+          </a:prstGeom>
+        </p:spPr>
+      </p:pic>
     </p:spTree>
     <p:extLst>
       <p:ext uri="{BB962C8B-B14F-4D97-AF65-F5344CB8AC3E}">
@@ -7560,7 +7590,7 @@
             <a:fld id="{2BF067CD-8E6B-4360-9AA8-C5DF2A48A6D1}" type="slidenum">
               <a:rPr lang="en-US" noProof="0" smtClean="0"/>
               <a:pPr/>
-              <a:t>‹#›</a:t>
+              <a:t>11</a:t>
             </a:fld>
             <a:endParaRPr lang="en-US" noProof="0" dirty="0"/>
           </a:p>
@@ -8412,7 +8442,7 @@
             <a:fld id="{2BF067CD-8E6B-4360-9AA8-C5DF2A48A6D1}" type="slidenum">
               <a:rPr lang="en-US" noProof="0" smtClean="0"/>
               <a:pPr/>
-              <a:t>‹#›</a:t>
+              <a:t>13</a:t>
             </a:fld>
             <a:endParaRPr lang="en-US" noProof="0" dirty="0"/>
           </a:p>
@@ -9388,7 +9418,7 @@
             <a:fld id="{2BF067CD-8E6B-4360-9AA8-C5DF2A48A6D1}" type="slidenum">
               <a:rPr lang="en-US" noProof="0" smtClean="0"/>
               <a:pPr/>
-              <a:t>‹#›</a:t>
+              <a:t>14</a:t>
             </a:fld>
             <a:endParaRPr lang="en-US" noProof="0" dirty="0"/>
           </a:p>
@@ -9928,7 +9958,7 @@
             <a:fld id="{2BF067CD-8E6B-4360-9AA8-C5DF2A48A6D1}" type="slidenum">
               <a:rPr lang="en-US" noProof="0" smtClean="0"/>
               <a:pPr/>
-              <a:t>‹#›</a:t>
+              <a:t>15</a:t>
             </a:fld>
             <a:endParaRPr lang="en-US" noProof="0" dirty="0"/>
           </a:p>
@@ -12172,7 +12202,7 @@
             <a:fld id="{2BF067CD-8E6B-4360-9AA8-C5DF2A48A6D1}" type="slidenum">
               <a:rPr lang="en-US" noProof="0" smtClean="0"/>
               <a:pPr/>
-              <a:t>‹#›</a:t>
+              <a:t>2</a:t>
             </a:fld>
             <a:endParaRPr lang="en-US" noProof="0" dirty="0"/>
           </a:p>
@@ -13544,7 +13574,7 @@
                 <a:hlinkClick r:id="rId3">
                   <a:extLst>
                     <a:ext uri="{A12FA001-AC4F-418D-AE19-62706E023703}">
-                      <ahyp:hlinkClr xmlns:ahyp="http://schemas.microsoft.com/office/drawing/2018/hyperlinkcolor" xmlns="" val="tx"/>
+                      <ahyp:hlinkClr xmlns="" xmlns:ahyp="http://schemas.microsoft.com/office/drawing/2018/hyperlinkcolor" val="tx"/>
                     </a:ext>
                   </a:extLst>
                 </a:hlinkClick>
@@ -14535,7 +14565,7 @@
             <a:fld id="{2BF067CD-8E6B-4360-9AA8-C5DF2A48A6D1}" type="slidenum">
               <a:rPr lang="en-US" noProof="0" smtClean="0"/>
               <a:pPr/>
-              <a:t>‹#›</a:t>
+              <a:t>4</a:t>
             </a:fld>
             <a:endParaRPr lang="en-US" noProof="0" dirty="0"/>
           </a:p>
@@ -15386,7 +15416,7 @@
             <a:fld id="{2BF067CD-8E6B-4360-9AA8-C5DF2A48A6D1}" type="slidenum">
               <a:rPr lang="en-US" noProof="0" smtClean="0"/>
               <a:pPr/>
-              <a:t>‹#›</a:t>
+              <a:t>6</a:t>
             </a:fld>
             <a:endParaRPr lang="en-US" noProof="0" dirty="0"/>
           </a:p>
@@ -15743,7 +15773,7 @@
             <a:fld id="{2BF067CD-8E6B-4360-9AA8-C5DF2A48A6D1}" type="slidenum">
               <a:rPr lang="en-US" noProof="0" smtClean="0"/>
               <a:pPr/>
-              <a:t>‹#›</a:t>
+              <a:t>7</a:t>
             </a:fld>
             <a:endParaRPr lang="en-US" noProof="0" dirty="0"/>
           </a:p>
@@ -16200,7 +16230,7 @@
             <a:fld id="{2BF067CD-8E6B-4360-9AA8-C5DF2A48A6D1}" type="slidenum">
               <a:rPr lang="en-US" noProof="0" smtClean="0"/>
               <a:pPr/>
-              <a:t>‹#›</a:t>
+              <a:t>8</a:t>
             </a:fld>
             <a:endParaRPr lang="en-US" noProof="0" dirty="0"/>
           </a:p>
@@ -16564,7 +16594,7 @@
             <a:fld id="{2BF067CD-8E6B-4360-9AA8-C5DF2A48A6D1}" type="slidenum">
               <a:rPr lang="en-US" noProof="0" smtClean="0"/>
               <a:pPr/>
-              <a:t>‹#›</a:t>
+              <a:t>9</a:t>
             </a:fld>
             <a:endParaRPr lang="en-US" noProof="0" dirty="0"/>
           </a:p>

--- a/Courses/Computer-Modeling-and-IT/Computer-Modeling-and-IT-5-Class/24-Text-Formatting/24-Text-Formatting.pptx
+++ b/Courses/Computer-Modeling-and-IT/Computer-Modeling-and-IT-5-Class/24-Text-Formatting/24-Text-Formatting.pptx
@@ -297,7 +297,7 @@
           <a:p>
             <a:fld id="{4E087215-0C8F-4762-A664-737A353EC9A4}" type="datetimeFigureOut">
               <a:rPr lang="bg-BG" smtClean="0"/>
-              <a:t>23.2.2024 г.</a:t>
+              <a:t>27.02.24 г.</a:t>
             </a:fld>
             <a:endParaRPr lang="bg-BG"/>
           </a:p>
@@ -493,7 +493,7 @@
           <a:p>
             <a:fld id="{72D84649-876A-46C9-8472-14CB09C070D8}" type="datetimeFigureOut">
               <a:rPr lang="en-US" smtClean="0"/>
-              <a:t>2/23/2024</a:t>
+              <a:t>2/27/24</a:t>
             </a:fld>
             <a:endParaRPr lang="en-US"/>
           </a:p>
@@ -7197,7 +7197,7 @@
           <a:lstStyle/>
           <a:p>
             <a:r>
-              <a:rPr lang="bg-BG" smtClean="0"/>
+              <a:rPr lang="bg-BG"/>
               <a:t>Скрити символи</a:t>
             </a:r>
             <a:endParaRPr lang="en-US"/>
@@ -7214,6 +7214,7 @@
         </p:nvPicPr>
         <p:blipFill>
           <a:blip r:embed="rId2" cstate="hqprint">
+            <a:lum bright="70000" contrast="-70000"/>
             <a:extLst>
               <a:ext uri="{28A0092B-C50C-407E-A947-70E740481C1C}">
                 <a14:useLocalDpi xmlns:a14="http://schemas.microsoft.com/office/drawing/2010/main" val="0"/>
@@ -7252,13 +7253,6 @@
       <p:transition spd="slow" advClick="0" advTm="5000"/>
     </mc:Fallback>
   </mc:AlternateContent>
-  <p:timing>
-    <p:tnLst>
-      <p:par>
-        <p:cTn id="1" dur="indefinite" restart="never" nodeType="tmRoot"/>
-      </p:par>
-    </p:tnLst>
-  </p:timing>
 </p:sld>
 </file>
 
@@ -7795,7 +7789,34 @@
                                           </p:stCondLst>
                                         </p:cTn>
                                         <p:tgtEl>
-                                          <p:spTgt spid="10"/>
+                                          <p:spTgt spid="6"/>
+                                        </p:tgtEl>
+                                        <p:attrNameLst>
+                                          <p:attrName>style.visibility</p:attrName>
+                                        </p:attrNameLst>
+                                      </p:cBhvr>
+                                      <p:to>
+                                        <p:strVal val="visible"/>
+                                      </p:to>
+                                    </p:set>
+                                  </p:childTnLst>
+                                </p:cTn>
+                              </p:par>
+                              <p:par>
+                                <p:cTn id="19" presetID="1" presetClass="entr" presetSubtype="0" fill="hold" grpId="0" nodeType="withEffect">
+                                  <p:stCondLst>
+                                    <p:cond delay="0"/>
+                                  </p:stCondLst>
+                                  <p:childTnLst>
+                                    <p:set>
+                                      <p:cBhvr>
+                                        <p:cTn id="20" dur="1" fill="hold">
+                                          <p:stCondLst>
+                                            <p:cond delay="0"/>
+                                          </p:stCondLst>
+                                        </p:cTn>
+                                        <p:tgtEl>
+                                          <p:spTgt spid="7"/>
                                         </p:tgtEl>
                                         <p:attrNameLst>
                                           <p:attrName>style.visibility</p:attrName>
@@ -7815,46 +7836,19 @@
                     </p:cTn>
                   </p:par>
                   <p:par>
-                    <p:cTn id="19" fill="hold">
+                    <p:cTn id="21" fill="hold">
                       <p:stCondLst>
                         <p:cond delay="indefinite"/>
                       </p:stCondLst>
                       <p:childTnLst>
                         <p:par>
-                          <p:cTn id="20" fill="hold">
+                          <p:cTn id="22" fill="hold">
                             <p:stCondLst>
                               <p:cond delay="0"/>
                             </p:stCondLst>
                             <p:childTnLst>
                               <p:par>
-                                <p:cTn id="21" presetID="1" presetClass="entr" presetSubtype="0" fill="hold" nodeType="clickEffect">
-                                  <p:stCondLst>
-                                    <p:cond delay="0"/>
-                                  </p:stCondLst>
-                                  <p:childTnLst>
-                                    <p:set>
-                                      <p:cBhvr>
-                                        <p:cTn id="22" dur="1" fill="hold">
-                                          <p:stCondLst>
-                                            <p:cond delay="0"/>
-                                          </p:stCondLst>
-                                        </p:cTn>
-                                        <p:tgtEl>
-                                          <p:spTgt spid="6"/>
-                                        </p:tgtEl>
-                                        <p:attrNameLst>
-                                          <p:attrName>style.visibility</p:attrName>
-                                        </p:attrNameLst>
-                                      </p:cBhvr>
-                                      <p:to>
-                                        <p:strVal val="visible"/>
-                                      </p:to>
-                                    </p:set>
-                                  </p:childTnLst>
-                                </p:cTn>
-                              </p:par>
-                              <p:par>
-                                <p:cTn id="23" presetID="1" presetClass="entr" presetSubtype="0" fill="hold" grpId="0" nodeType="withEffect">
+                                <p:cTn id="23" presetID="1" presetClass="entr" presetSubtype="0" fill="hold" nodeType="clickEffect">
                                   <p:stCondLst>
                                     <p:cond delay="0"/>
                                   </p:stCondLst>
@@ -7867,7 +7861,7 @@
                                           </p:stCondLst>
                                         </p:cTn>
                                         <p:tgtEl>
-                                          <p:spTgt spid="7"/>
+                                          <p:spTgt spid="10"/>
                                         </p:tgtEl>
                                         <p:attrNameLst>
                                           <p:attrName>style.visibility</p:attrName>
@@ -7947,7 +7941,7 @@
           <a:lstStyle/>
           <a:p>
             <a:r>
-              <a:rPr lang="bg-BG" smtClean="0"/>
+              <a:rPr lang="bg-BG"/>
               <a:t>Форматиране на абзац</a:t>
             </a:r>
             <a:endParaRPr lang="en-US"/>
@@ -8002,13 +7996,6 @@
       <p:transition spd="slow" advClick="0" advTm="5000"/>
     </mc:Fallback>
   </mc:AlternateContent>
-  <p:timing>
-    <p:tnLst>
-      <p:par>
-        <p:cTn id="1" dur="indefinite" restart="never" nodeType="tmRoot"/>
-      </p:par>
-    </p:tnLst>
-  </p:timing>
 </p:sld>
 </file>
 
@@ -9982,13 +9969,6 @@
       <p:transition spd="slow" advClick="0" advTm="5000"/>
     </mc:Fallback>
   </mc:AlternateContent>
-  <p:timing>
-    <p:tnLst>
-      <p:par>
-        <p:cTn id="1" dur="indefinite" restart="never" nodeType="tmRoot"/>
-      </p:par>
-    </p:tnLst>
-  </p:timing>
 </p:sld>
 </file>
 
@@ -10062,6 +10042,13 @@
           <a:prstGeom prst="rect">
             <a:avLst/>
           </a:prstGeom>
+          <a:ln>
+            <a:solidFill>
+              <a:schemeClr val="bg2">
+                <a:lumMod val="75000"/>
+              </a:schemeClr>
+            </a:solidFill>
+          </a:ln>
         </p:spPr>
       </p:pic>
     </p:spTree>
@@ -10082,13 +10069,6 @@
       <p:transition spd="slow" advClick="0" advTm="5000"/>
     </mc:Fallback>
   </mc:AlternateContent>
-  <p:timing>
-    <p:tnLst>
-      <p:par>
-        <p:cTn id="1" dur="indefinite" restart="never" nodeType="tmRoot"/>
-      </p:par>
-    </p:tnLst>
-  </p:timing>
 </p:sld>
 </file>
 
@@ -10268,8 +10248,8 @@
         </p:nvSpPr>
         <p:spPr bwMode="auto">
           <a:xfrm>
-            <a:off x="4542090" y="2627435"/>
-            <a:ext cx="6962775" cy="1628775"/>
+            <a:off x="4362090" y="2754001"/>
+            <a:ext cx="6503910" cy="1845000"/>
           </a:xfrm>
           <a:prstGeom prst="wedgeRoundRectCallout">
             <a:avLst>
@@ -10332,7 +10312,7 @@
                   </a:outerShdw>
                 </a:effectLst>
               </a:rPr>
-              <a:t>За да отворим прозорец с повече възможности за форматиране на абзац, натискаме бутона в долния десен ъгъл</a:t>
+              <a:t>За да отворим прозорец с повече опции за форматиране на абзац, натискаме бутона в долния десен ъгъл</a:t>
             </a:r>
             <a:endParaRPr lang="en-US" sz="2800" b="1" dirty="0">
               <a:solidFill>
@@ -10698,8 +10678,8 @@
           </a:xfrm>
           <a:prstGeom prst="wedgeRoundRectCallout">
             <a:avLst>
-              <a:gd name="adj1" fmla="val -56577"/>
-              <a:gd name="adj2" fmla="val 107920"/>
+              <a:gd name="adj1" fmla="val -62013"/>
+              <a:gd name="adj2" fmla="val 96068"/>
               <a:gd name="adj3" fmla="val 16667"/>
             </a:avLst>
           </a:prstGeom>
@@ -10871,7 +10851,7 @@
         </p:nvSpPr>
         <p:spPr bwMode="auto">
           <a:xfrm>
-            <a:off x="7629524" y="4801141"/>
+            <a:off x="7487793" y="4668467"/>
             <a:ext cx="2619376" cy="1028700"/>
           </a:xfrm>
           <a:prstGeom prst="wedgeRoundRectCallout">
@@ -13574,7 +13554,7 @@
                 <a:hlinkClick r:id="rId3">
                   <a:extLst>
                     <a:ext uri="{A12FA001-AC4F-418D-AE19-62706E023703}">
-                      <ahyp:hlinkClr xmlns="" xmlns:ahyp="http://schemas.microsoft.com/office/drawing/2018/hyperlinkcolor" val="tx"/>
+                      <ahyp:hlinkClr xmlns:ahyp="http://schemas.microsoft.com/office/drawing/2018/hyperlinkcolor" val="tx"/>
                     </a:ext>
                   </a:extLst>
                 </a:hlinkClick>
@@ -14066,7 +14046,7 @@
           <a:lstStyle/>
           <a:p>
             <a:r>
-              <a:rPr lang="bg-BG" smtClean="0"/>
+              <a:rPr lang="bg-BG"/>
               <a:t>Характеристики на символ</a:t>
             </a:r>
             <a:endParaRPr lang="en-US"/>
@@ -14132,7 +14112,7 @@
           <a:lstStyle/>
           <a:p>
             <a:r>
-              <a:rPr lang="bg-BG" smtClean="0"/>
+              <a:rPr lang="bg-BG"/>
               <a:t>Различни видове шрифтове</a:t>
             </a:r>
             <a:endParaRPr lang="en-US"/>
@@ -14157,13 +14137,6 @@
       <p:transition spd="slow" advClick="0" advTm="5000"/>
     </mc:Fallback>
   </mc:AlternateContent>
-  <p:timing>
-    <p:tnLst>
-      <p:par>
-        <p:cTn id="1" dur="indefinite" restart="never" nodeType="tmRoot"/>
-      </p:par>
-    </p:tnLst>
-  </p:timing>
 </p:sld>
 </file>
 
@@ -14896,7 +14869,7 @@
           <a:lstStyle/>
           <a:p>
             <a:r>
-              <a:rPr lang="bg-BG" smtClean="0"/>
+              <a:rPr lang="bg-BG"/>
               <a:t>Форматиране на символи</a:t>
             </a:r>
             <a:endParaRPr lang="en-US"/>
@@ -14981,13 +14954,6 @@
       <p:transition spd="slow" advClick="0" advTm="5000"/>
     </mc:Fallback>
   </mc:AlternateContent>
-  <p:timing>
-    <p:tnLst>
-      <p:par>
-        <p:cTn id="1" dur="indefinite" restart="never" nodeType="tmRoot"/>
-      </p:par>
-    </p:tnLst>
-  </p:timing>
 </p:sld>
 </file>
 
@@ -15174,7 +15140,7 @@
             <a:avLst/>
           </a:prstGeom>
           <a:noFill/>
-          <a:ln w="28575">
+          <a:ln w="57150">
             <a:solidFill>
               <a:schemeClr val="tx1">
                 <a:lumMod val="75000"/>
@@ -15329,7 +15295,7 @@
             <a:avLst/>
           </a:prstGeom>
           <a:noFill/>
-          <a:ln w="28575">
+          <a:ln w="57150">
             <a:solidFill>
               <a:schemeClr val="tx1">
                 <a:lumMod val="75000"/>
@@ -15735,6 +15701,13 @@
           <a:prstGeom prst="rect">
             <a:avLst/>
           </a:prstGeom>
+          <a:ln>
+            <a:solidFill>
+              <a:schemeClr val="bg2">
+                <a:lumMod val="75000"/>
+              </a:schemeClr>
+            </a:solidFill>
+          </a:ln>
         </p:spPr>
       </p:pic>
       <p:sp>
@@ -15797,13 +15770,6 @@
       <p:transition spd="slow" advClick="0" advTm="5000"/>
     </mc:Fallback>
   </mc:AlternateContent>
-  <p:timing>
-    <p:tnLst>
-      <p:par>
-        <p:cTn id="1" dur="indefinite" restart="never" nodeType="tmRoot"/>
-      </p:par>
-    </p:tnLst>
-  </p:timing>
 </p:sld>
 </file>
 
@@ -15899,7 +15865,7 @@
             <a:avLst/>
           </a:prstGeom>
           <a:noFill/>
-          <a:ln w="28575">
+          <a:ln w="38100">
             <a:solidFill>
               <a:schemeClr val="tx1">
                 <a:lumMod val="75000"/>
@@ -16054,7 +16020,7 @@
             <a:avLst/>
           </a:prstGeom>
           <a:noFill/>
-          <a:ln w="28575">
+          <a:ln w="38100">
             <a:solidFill>
               <a:schemeClr val="tx1">
                 <a:lumMod val="75000"/>

--- a/Courses/Computer-Modeling-and-IT/Computer-Modeling-and-IT-5-Class/24-Text-Formatting/24-Text-Formatting.pptx
+++ b/Courses/Computer-Modeling-and-IT/Computer-Modeling-and-IT-5-Class/24-Text-Formatting/24-Text-Formatting.pptx
@@ -297,7 +297,7 @@
           <a:p>
             <a:fld id="{4E087215-0C8F-4762-A664-737A353EC9A4}" type="datetimeFigureOut">
               <a:rPr lang="bg-BG" smtClean="0"/>
-              <a:t>27.02.24 г.</a:t>
+              <a:t>2.1.2025 г.</a:t>
             </a:fld>
             <a:endParaRPr lang="bg-BG"/>
           </a:p>
@@ -493,7 +493,7 @@
           <a:p>
             <a:fld id="{72D84649-876A-46C9-8472-14CB09C070D8}" type="datetimeFigureOut">
               <a:rPr lang="en-US" smtClean="0"/>
-              <a:t>2/27/24</a:t>
+              <a:t>1/2/2025</a:t>
             </a:fld>
             <a:endParaRPr lang="en-US"/>
           </a:p>
@@ -7431,14 +7431,13 @@
               </a:ext>
             </a:extLst>
           </a:blip>
-          <a:stretch>
-            <a:fillRect/>
-          </a:stretch>
+          <a:srcRect/>
+          <a:stretch/>
         </p:blipFill>
         <p:spPr>
           <a:xfrm>
-            <a:off x="6927855" y="4679503"/>
-            <a:ext cx="4390805" cy="1756323"/>
+            <a:off x="6693616" y="4658852"/>
+            <a:ext cx="4720715" cy="1797623"/>
           </a:xfrm>
           <a:prstGeom prst="rect">
             <a:avLst/>
@@ -7460,7 +7459,7 @@
         </p:nvSpPr>
         <p:spPr bwMode="auto">
           <a:xfrm>
-            <a:off x="10770348" y="4837030"/>
+            <a:off x="10873452" y="4801108"/>
             <a:ext cx="442548" cy="465993"/>
           </a:xfrm>
           <a:prstGeom prst="rect">
@@ -8062,14 +8061,13 @@
               </a:ext>
             </a:extLst>
           </a:blip>
-          <a:stretch>
-            <a:fillRect/>
-          </a:stretch>
+          <a:srcRect/>
+          <a:stretch/>
         </p:blipFill>
         <p:spPr>
           <a:xfrm>
-            <a:off x="3732809" y="2793607"/>
-            <a:ext cx="4726383" cy="1890554"/>
+            <a:off x="3548686" y="2838993"/>
+            <a:ext cx="5094629" cy="1940007"/>
           </a:xfrm>
           <a:prstGeom prst="rect">
             <a:avLst/>
@@ -8091,8 +8089,8 @@
         </p:nvSpPr>
         <p:spPr bwMode="auto">
           <a:xfrm>
-            <a:off x="3806839" y="3650069"/>
-            <a:ext cx="1820238" cy="465993"/>
+            <a:off x="3622790" y="3627209"/>
+            <a:ext cx="2189686" cy="582031"/>
           </a:xfrm>
           <a:prstGeom prst="rect">
             <a:avLst/>
@@ -8335,8 +8333,8 @@
         </p:nvSpPr>
         <p:spPr bwMode="auto">
           <a:xfrm>
-            <a:off x="5812476" y="3650069"/>
-            <a:ext cx="726070" cy="465993"/>
+            <a:off x="5812476" y="3627209"/>
+            <a:ext cx="823524" cy="582031"/>
           </a:xfrm>
           <a:prstGeom prst="rect">
             <a:avLst/>
@@ -8689,32 +8687,9 @@
           <a:chExt cx="0" cy="0"/>
         </a:xfrm>
       </p:grpSpPr>
-      <p:sp>
-        <p:nvSpPr>
-          <p:cNvPr id="4" name="Title 3"/>
-          <p:cNvSpPr>
-            <a:spLocks noGrp="1"/>
-          </p:cNvSpPr>
-          <p:nvPr>
-            <p:ph type="title"/>
-          </p:nvPr>
-        </p:nvSpPr>
-        <p:spPr/>
-        <p:txBody>
-          <a:bodyPr/>
-          <a:lstStyle/>
-          <a:p>
-            <a:r>
-              <a:rPr lang="bg-BG" dirty="0"/>
-              <a:t>Подравняване на абзац</a:t>
-            </a:r>
-            <a:endParaRPr lang="en-US" dirty="0"/>
-          </a:p>
-        </p:txBody>
-      </p:sp>
       <p:pic>
         <p:nvPicPr>
-          <p:cNvPr id="3" name="Picture 2"/>
+          <p:cNvPr id="2" name="Picture 1"/>
           <p:cNvPicPr>
             <a:picLocks noChangeAspect="1"/>
           </p:cNvPicPr>
@@ -8728,14 +8703,13 @@
               </a:ext>
             </a:extLst>
           </a:blip>
-          <a:stretch>
-            <a:fillRect/>
-          </a:stretch>
+          <a:srcRect/>
+          <a:stretch/>
         </p:blipFill>
         <p:spPr>
           <a:xfrm>
-            <a:off x="3697640" y="2784463"/>
-            <a:ext cx="4726383" cy="1890554"/>
+            <a:off x="3548686" y="2838993"/>
+            <a:ext cx="5094629" cy="1940007"/>
           </a:xfrm>
           <a:prstGeom prst="rect">
             <a:avLst/>
@@ -8751,265 +8725,24 @@
       </p:pic>
       <p:sp>
         <p:nvSpPr>
-          <p:cNvPr id="5" name="Rectangle 4"/>
-          <p:cNvSpPr/>
-          <p:nvPr/>
-        </p:nvSpPr>
-        <p:spPr bwMode="auto">
-          <a:xfrm>
-            <a:off x="3806839" y="3650069"/>
-            <a:ext cx="455547" cy="465993"/>
-          </a:xfrm>
-          <a:prstGeom prst="rect">
-            <a:avLst/>
-          </a:prstGeom>
-          <a:noFill/>
-          <a:ln w="38100">
-            <a:solidFill>
-              <a:schemeClr val="tx1">
-                <a:lumMod val="75000"/>
-                <a:alpha val="80000"/>
-              </a:schemeClr>
-            </a:solidFill>
-          </a:ln>
-          <a:effectLst/>
-        </p:spPr>
-        <p:style>
-          <a:lnRef idx="2">
-            <a:schemeClr val="accent1">
-              <a:shade val="50000"/>
-            </a:schemeClr>
-          </a:lnRef>
-          <a:fillRef idx="1001">
-            <a:schemeClr val="dk2"/>
-          </a:fillRef>
-          <a:effectRef idx="0">
-            <a:schemeClr val="accent1"/>
-          </a:effectRef>
-          <a:fontRef idx="minor">
-            <a:schemeClr val="lt1"/>
-          </a:fontRef>
-        </p:style>
+          <p:cNvPr id="4" name="Title 3"/>
+          <p:cNvSpPr>
+            <a:spLocks noGrp="1"/>
+          </p:cNvSpPr>
+          <p:nvPr>
+            <p:ph type="title"/>
+          </p:nvPr>
+        </p:nvSpPr>
+        <p:spPr/>
         <p:txBody>
-          <a:bodyPr rot="0" spcFirstLastPara="0" vertOverflow="overflow" horzOverflow="overflow" vert="horz" wrap="square" lIns="91440" tIns="45720" rIns="91440" bIns="45720" numCol="1" spcCol="0" rtlCol="0" fromWordArt="0" anchor="ctr" anchorCtr="0" forceAA="0" compatLnSpc="1">
-            <a:prstTxWarp prst="textNoShape">
-              <a:avLst/>
-            </a:prstTxWarp>
-            <a:noAutofit/>
-          </a:bodyPr>
+          <a:bodyPr/>
           <a:lstStyle/>
           <a:p>
-            <a:pPr algn="ctr"/>
-            <a:endParaRPr lang="en-US" sz="2800" b="1" dirty="0">
-              <a:solidFill>
-                <a:srgbClr val="FFFFFF"/>
-              </a:solidFill>
-              <a:effectLst>
-                <a:outerShdw blurRad="38100" dist="38100" dir="2700000" algn="tl">
-                  <a:srgbClr val="000000">
-                    <a:alpha val="43137"/>
-                  </a:srgbClr>
-                </a:outerShdw>
-              </a:effectLst>
-            </a:endParaRPr>
-          </a:p>
-        </p:txBody>
-      </p:sp>
-      <p:sp>
-        <p:nvSpPr>
-          <p:cNvPr id="6" name="Rectangle 5"/>
-          <p:cNvSpPr/>
-          <p:nvPr/>
-        </p:nvSpPr>
-        <p:spPr bwMode="auto">
-          <a:xfrm>
-            <a:off x="4298031" y="3650065"/>
-            <a:ext cx="422260" cy="465993"/>
-          </a:xfrm>
-          <a:prstGeom prst="rect">
-            <a:avLst/>
-          </a:prstGeom>
-          <a:noFill/>
-          <a:ln w="38100">
-            <a:solidFill>
-              <a:schemeClr val="tx1">
-                <a:lumMod val="75000"/>
-                <a:alpha val="80000"/>
-              </a:schemeClr>
-            </a:solidFill>
-          </a:ln>
-          <a:effectLst/>
-        </p:spPr>
-        <p:style>
-          <a:lnRef idx="2">
-            <a:schemeClr val="accent1">
-              <a:shade val="50000"/>
-            </a:schemeClr>
-          </a:lnRef>
-          <a:fillRef idx="1001">
-            <a:schemeClr val="dk2"/>
-          </a:fillRef>
-          <a:effectRef idx="0">
-            <a:schemeClr val="accent1"/>
-          </a:effectRef>
-          <a:fontRef idx="minor">
-            <a:schemeClr val="lt1"/>
-          </a:fontRef>
-        </p:style>
-        <p:txBody>
-          <a:bodyPr rot="0" spcFirstLastPara="0" vertOverflow="overflow" horzOverflow="overflow" vert="horz" wrap="square" lIns="91440" tIns="45720" rIns="91440" bIns="45720" numCol="1" spcCol="0" rtlCol="0" fromWordArt="0" anchor="ctr" anchorCtr="0" forceAA="0" compatLnSpc="1">
-            <a:prstTxWarp prst="textNoShape">
-              <a:avLst/>
-            </a:prstTxWarp>
-            <a:noAutofit/>
-          </a:bodyPr>
-          <a:lstStyle/>
-          <a:p>
-            <a:pPr algn="ctr"/>
-            <a:endParaRPr lang="en-US" sz="2800" b="1" dirty="0">
-              <a:solidFill>
-                <a:srgbClr val="FFFFFF"/>
-              </a:solidFill>
-              <a:effectLst>
-                <a:outerShdw blurRad="38100" dist="38100" dir="2700000" algn="tl">
-                  <a:srgbClr val="000000">
-                    <a:alpha val="43137"/>
-                  </a:srgbClr>
-                </a:outerShdw>
-              </a:effectLst>
-            </a:endParaRPr>
-          </a:p>
-        </p:txBody>
-      </p:sp>
-      <p:sp>
-        <p:nvSpPr>
-          <p:cNvPr id="7" name="Rectangle 6"/>
-          <p:cNvSpPr/>
-          <p:nvPr/>
-        </p:nvSpPr>
-        <p:spPr bwMode="auto">
-          <a:xfrm>
-            <a:off x="4732298" y="3650066"/>
-            <a:ext cx="422260" cy="465993"/>
-          </a:xfrm>
-          <a:prstGeom prst="rect">
-            <a:avLst/>
-          </a:prstGeom>
-          <a:noFill/>
-          <a:ln w="38100">
-            <a:solidFill>
-              <a:schemeClr val="tx1">
-                <a:lumMod val="75000"/>
-                <a:alpha val="80000"/>
-              </a:schemeClr>
-            </a:solidFill>
-          </a:ln>
-          <a:effectLst/>
-        </p:spPr>
-        <p:style>
-          <a:lnRef idx="2">
-            <a:schemeClr val="accent1">
-              <a:shade val="50000"/>
-            </a:schemeClr>
-          </a:lnRef>
-          <a:fillRef idx="1001">
-            <a:schemeClr val="dk2"/>
-          </a:fillRef>
-          <a:effectRef idx="0">
-            <a:schemeClr val="accent1"/>
-          </a:effectRef>
-          <a:fontRef idx="minor">
-            <a:schemeClr val="lt1"/>
-          </a:fontRef>
-        </p:style>
-        <p:txBody>
-          <a:bodyPr rot="0" spcFirstLastPara="0" vertOverflow="overflow" horzOverflow="overflow" vert="horz" wrap="square" lIns="91440" tIns="45720" rIns="91440" bIns="45720" numCol="1" spcCol="0" rtlCol="0" fromWordArt="0" anchor="ctr" anchorCtr="0" forceAA="0" compatLnSpc="1">
-            <a:prstTxWarp prst="textNoShape">
-              <a:avLst/>
-            </a:prstTxWarp>
-            <a:noAutofit/>
-          </a:bodyPr>
-          <a:lstStyle/>
-          <a:p>
-            <a:pPr algn="ctr"/>
-            <a:endParaRPr lang="en-US" sz="2800" b="1" dirty="0">
-              <a:solidFill>
-                <a:srgbClr val="FFFFFF"/>
-              </a:solidFill>
-              <a:effectLst>
-                <a:outerShdw blurRad="38100" dist="38100" dir="2700000" algn="tl">
-                  <a:srgbClr val="000000">
-                    <a:alpha val="43137"/>
-                  </a:srgbClr>
-                </a:outerShdw>
-              </a:effectLst>
-            </a:endParaRPr>
-          </a:p>
-        </p:txBody>
-      </p:sp>
-      <p:sp>
-        <p:nvSpPr>
-          <p:cNvPr id="8" name="Rectangle 7"/>
-          <p:cNvSpPr/>
-          <p:nvPr/>
-        </p:nvSpPr>
-        <p:spPr bwMode="auto">
-          <a:xfrm>
-            <a:off x="5190202" y="3650067"/>
-            <a:ext cx="422260" cy="465993"/>
-          </a:xfrm>
-          <a:prstGeom prst="rect">
-            <a:avLst/>
-          </a:prstGeom>
-          <a:noFill/>
-          <a:ln w="38100">
-            <a:solidFill>
-              <a:schemeClr val="tx1">
-                <a:lumMod val="75000"/>
-                <a:alpha val="80000"/>
-              </a:schemeClr>
-            </a:solidFill>
-          </a:ln>
-          <a:effectLst/>
-        </p:spPr>
-        <p:style>
-          <a:lnRef idx="2">
-            <a:schemeClr val="accent1">
-              <a:shade val="50000"/>
-            </a:schemeClr>
-          </a:lnRef>
-          <a:fillRef idx="1001">
-            <a:schemeClr val="dk2"/>
-          </a:fillRef>
-          <a:effectRef idx="0">
-            <a:schemeClr val="accent1"/>
-          </a:effectRef>
-          <a:fontRef idx="minor">
-            <a:schemeClr val="lt1"/>
-          </a:fontRef>
-        </p:style>
-        <p:txBody>
-          <a:bodyPr rot="0" spcFirstLastPara="0" vertOverflow="overflow" horzOverflow="overflow" vert="horz" wrap="square" lIns="91440" tIns="45720" rIns="91440" bIns="45720" numCol="1" spcCol="0" rtlCol="0" fromWordArt="0" anchor="ctr" anchorCtr="0" forceAA="0" compatLnSpc="1">
-            <a:prstTxWarp prst="textNoShape">
-              <a:avLst/>
-            </a:prstTxWarp>
-            <a:noAutofit/>
-          </a:bodyPr>
-          <a:lstStyle/>
-          <a:p>
-            <a:pPr algn="ctr"/>
-            <a:endParaRPr lang="en-US" sz="2800" b="1" dirty="0">
-              <a:solidFill>
-                <a:srgbClr val="FFFFFF"/>
-              </a:solidFill>
-              <a:effectLst>
-                <a:outerShdw blurRad="38100" dist="38100" dir="2700000" algn="tl">
-                  <a:srgbClr val="000000">
-                    <a:alpha val="43137"/>
-                  </a:srgbClr>
-                </a:outerShdw>
-              </a:effectLst>
-            </a:endParaRPr>
+            <a:r>
+              <a:rPr lang="bg-BG" dirty="0"/>
+              <a:t>Подравняване на абзац</a:t>
+            </a:r>
+            <a:endParaRPr lang="en-US" dirty="0"/>
           </a:p>
         </p:txBody>
       </p:sp>
@@ -9026,8 +8759,8 @@
           </a:xfrm>
           <a:prstGeom prst="wedgeRoundRectCallout">
             <a:avLst>
-              <a:gd name="adj1" fmla="val 73641"/>
-              <a:gd name="adj2" fmla="val 161582"/>
+              <a:gd name="adj1" fmla="val 67392"/>
+              <a:gd name="adj2" fmla="val 184481"/>
               <a:gd name="adj3" fmla="val 16667"/>
             </a:avLst>
           </a:prstGeom>
@@ -9115,8 +8848,8 @@
           </a:xfrm>
           <a:prstGeom prst="wedgeRoundRectCallout">
             <a:avLst>
-              <a:gd name="adj1" fmla="val -5810"/>
-              <a:gd name="adj2" fmla="val 179014"/>
+              <a:gd name="adj1" fmla="val -8124"/>
+              <a:gd name="adj2" fmla="val 184739"/>
               <a:gd name="adj3" fmla="val 16667"/>
             </a:avLst>
           </a:prstGeom>
@@ -9199,13 +8932,13 @@
         </p:nvSpPr>
         <p:spPr bwMode="auto">
           <a:xfrm>
-            <a:off x="6087398" y="1409324"/>
+            <a:off x="6154048" y="1546778"/>
             <a:ext cx="2633771" cy="958362"/>
           </a:xfrm>
           <a:prstGeom prst="wedgeRoundRectCallout">
             <a:avLst>
-              <a:gd name="adj1" fmla="val -88600"/>
-              <a:gd name="adj2" fmla="val 179931"/>
+              <a:gd name="adj1" fmla="val -90220"/>
+              <a:gd name="adj2" fmla="val 174206"/>
               <a:gd name="adj3" fmla="val 16667"/>
             </a:avLst>
           </a:prstGeom>
@@ -9288,13 +9021,13 @@
         </p:nvSpPr>
         <p:spPr bwMode="auto">
           <a:xfrm>
-            <a:off x="6329062" y="4985238"/>
+            <a:off x="6009544" y="5004000"/>
             <a:ext cx="2633771" cy="958362"/>
           </a:xfrm>
           <a:prstGeom prst="wedgeRoundRectCallout">
             <a:avLst>
-              <a:gd name="adj1" fmla="val -74413"/>
-              <a:gd name="adj2" fmla="val -140023"/>
+              <a:gd name="adj1" fmla="val -66775"/>
+              <a:gd name="adj2" fmla="val -138115"/>
               <a:gd name="adj3" fmla="val 16667"/>
             </a:avLst>
           </a:prstGeom>
@@ -9463,7 +9196,7 @@
                                           </p:stCondLst>
                                         </p:cTn>
                                         <p:tgtEl>
-                                          <p:spTgt spid="5"/>
+                                          <p:spTgt spid="9"/>
                                         </p:tgtEl>
                                         <p:attrNameLst>
                                           <p:attrName>style.visibility</p:attrName>
@@ -9508,7 +9241,7 @@
                                           </p:stCondLst>
                                         </p:cTn>
                                         <p:tgtEl>
-                                          <p:spTgt spid="9"/>
+                                          <p:spTgt spid="10"/>
                                         </p:tgtEl>
                                         <p:attrNameLst>
                                           <p:attrName>style.visibility</p:attrName>
@@ -9553,7 +9286,7 @@
                                           </p:stCondLst>
                                         </p:cTn>
                                         <p:tgtEl>
-                                          <p:spTgt spid="6"/>
+                                          <p:spTgt spid="11"/>
                                         </p:tgtEl>
                                         <p:attrNameLst>
                                           <p:attrName>style.visibility</p:attrName>
@@ -9593,186 +9326,6 @@
                                     <p:set>
                                       <p:cBhvr>
                                         <p:cTn id="18" dur="1" fill="hold">
-                                          <p:stCondLst>
-                                            <p:cond delay="0"/>
-                                          </p:stCondLst>
-                                        </p:cTn>
-                                        <p:tgtEl>
-                                          <p:spTgt spid="10"/>
-                                        </p:tgtEl>
-                                        <p:attrNameLst>
-                                          <p:attrName>style.visibility</p:attrName>
-                                        </p:attrNameLst>
-                                      </p:cBhvr>
-                                      <p:to>
-                                        <p:strVal val="visible"/>
-                                      </p:to>
-                                    </p:set>
-                                  </p:childTnLst>
-                                </p:cTn>
-                              </p:par>
-                            </p:childTnLst>
-                          </p:cTn>
-                        </p:par>
-                      </p:childTnLst>
-                    </p:cTn>
-                  </p:par>
-                  <p:par>
-                    <p:cTn id="19" fill="hold">
-                      <p:stCondLst>
-                        <p:cond delay="indefinite"/>
-                      </p:stCondLst>
-                      <p:childTnLst>
-                        <p:par>
-                          <p:cTn id="20" fill="hold">
-                            <p:stCondLst>
-                              <p:cond delay="0"/>
-                            </p:stCondLst>
-                            <p:childTnLst>
-                              <p:par>
-                                <p:cTn id="21" presetID="1" presetClass="entr" presetSubtype="0" fill="hold" grpId="0" nodeType="clickEffect">
-                                  <p:stCondLst>
-                                    <p:cond delay="0"/>
-                                  </p:stCondLst>
-                                  <p:childTnLst>
-                                    <p:set>
-                                      <p:cBhvr>
-                                        <p:cTn id="22" dur="1" fill="hold">
-                                          <p:stCondLst>
-                                            <p:cond delay="0"/>
-                                          </p:stCondLst>
-                                        </p:cTn>
-                                        <p:tgtEl>
-                                          <p:spTgt spid="7"/>
-                                        </p:tgtEl>
-                                        <p:attrNameLst>
-                                          <p:attrName>style.visibility</p:attrName>
-                                        </p:attrNameLst>
-                                      </p:cBhvr>
-                                      <p:to>
-                                        <p:strVal val="visible"/>
-                                      </p:to>
-                                    </p:set>
-                                  </p:childTnLst>
-                                </p:cTn>
-                              </p:par>
-                            </p:childTnLst>
-                          </p:cTn>
-                        </p:par>
-                      </p:childTnLst>
-                    </p:cTn>
-                  </p:par>
-                  <p:par>
-                    <p:cTn id="23" fill="hold">
-                      <p:stCondLst>
-                        <p:cond delay="indefinite"/>
-                      </p:stCondLst>
-                      <p:childTnLst>
-                        <p:par>
-                          <p:cTn id="24" fill="hold">
-                            <p:stCondLst>
-                              <p:cond delay="0"/>
-                            </p:stCondLst>
-                            <p:childTnLst>
-                              <p:par>
-                                <p:cTn id="25" presetID="1" presetClass="entr" presetSubtype="0" fill="hold" grpId="0" nodeType="clickEffect">
-                                  <p:stCondLst>
-                                    <p:cond delay="0"/>
-                                  </p:stCondLst>
-                                  <p:childTnLst>
-                                    <p:set>
-                                      <p:cBhvr>
-                                        <p:cTn id="26" dur="1" fill="hold">
-                                          <p:stCondLst>
-                                            <p:cond delay="0"/>
-                                          </p:stCondLst>
-                                        </p:cTn>
-                                        <p:tgtEl>
-                                          <p:spTgt spid="11"/>
-                                        </p:tgtEl>
-                                        <p:attrNameLst>
-                                          <p:attrName>style.visibility</p:attrName>
-                                        </p:attrNameLst>
-                                      </p:cBhvr>
-                                      <p:to>
-                                        <p:strVal val="visible"/>
-                                      </p:to>
-                                    </p:set>
-                                  </p:childTnLst>
-                                </p:cTn>
-                              </p:par>
-                            </p:childTnLst>
-                          </p:cTn>
-                        </p:par>
-                      </p:childTnLst>
-                    </p:cTn>
-                  </p:par>
-                  <p:par>
-                    <p:cTn id="27" fill="hold">
-                      <p:stCondLst>
-                        <p:cond delay="indefinite"/>
-                      </p:stCondLst>
-                      <p:childTnLst>
-                        <p:par>
-                          <p:cTn id="28" fill="hold">
-                            <p:stCondLst>
-                              <p:cond delay="0"/>
-                            </p:stCondLst>
-                            <p:childTnLst>
-                              <p:par>
-                                <p:cTn id="29" presetID="1" presetClass="entr" presetSubtype="0" fill="hold" grpId="0" nodeType="clickEffect">
-                                  <p:stCondLst>
-                                    <p:cond delay="0"/>
-                                  </p:stCondLst>
-                                  <p:childTnLst>
-                                    <p:set>
-                                      <p:cBhvr>
-                                        <p:cTn id="30" dur="1" fill="hold">
-                                          <p:stCondLst>
-                                            <p:cond delay="0"/>
-                                          </p:stCondLst>
-                                        </p:cTn>
-                                        <p:tgtEl>
-                                          <p:spTgt spid="8"/>
-                                        </p:tgtEl>
-                                        <p:attrNameLst>
-                                          <p:attrName>style.visibility</p:attrName>
-                                        </p:attrNameLst>
-                                      </p:cBhvr>
-                                      <p:to>
-                                        <p:strVal val="visible"/>
-                                      </p:to>
-                                    </p:set>
-                                  </p:childTnLst>
-                                </p:cTn>
-                              </p:par>
-                            </p:childTnLst>
-                          </p:cTn>
-                        </p:par>
-                      </p:childTnLst>
-                    </p:cTn>
-                  </p:par>
-                  <p:par>
-                    <p:cTn id="31" fill="hold">
-                      <p:stCondLst>
-                        <p:cond delay="indefinite"/>
-                      </p:stCondLst>
-                      <p:childTnLst>
-                        <p:par>
-                          <p:cTn id="32" fill="hold">
-                            <p:stCondLst>
-                              <p:cond delay="0"/>
-                            </p:stCondLst>
-                            <p:childTnLst>
-                              <p:par>
-                                <p:cTn id="33" presetID="1" presetClass="entr" presetSubtype="0" fill="hold" grpId="0" nodeType="clickEffect">
-                                  <p:stCondLst>
-                                    <p:cond delay="0"/>
-                                  </p:stCondLst>
-                                  <p:childTnLst>
-                                    <p:set>
-                                      <p:cBhvr>
-                                        <p:cTn id="34" dur="1" fill="hold">
                                           <p:stCondLst>
                                             <p:cond delay="0"/>
                                           </p:stCondLst>
@@ -9819,10 +9372,6 @@
       </p:par>
     </p:tnLst>
     <p:bldLst>
-      <p:bldP spid="5" grpId="0" animBg="1"/>
-      <p:bldP spid="6" grpId="0" animBg="1"/>
-      <p:bldP spid="7" grpId="0" animBg="1"/>
-      <p:bldP spid="8" grpId="0" animBg="1"/>
       <p:bldP spid="9" grpId="0" animBg="1"/>
       <p:bldP spid="10" grpId="0" animBg="1"/>
       <p:bldP spid="11" grpId="0" animBg="1"/>
@@ -9888,14 +9437,13 @@
               </a:ext>
             </a:extLst>
           </a:blip>
-          <a:stretch>
-            <a:fillRect/>
-          </a:stretch>
+          <a:srcRect/>
+          <a:stretch/>
         </p:blipFill>
         <p:spPr>
           <a:xfrm>
-            <a:off x="906636" y="1239716"/>
-            <a:ext cx="10378728" cy="5507079"/>
+            <a:off x="960703" y="1269000"/>
+            <a:ext cx="10270594" cy="5404808"/>
           </a:xfrm>
           <a:prstGeom prst="rect">
             <a:avLst/>
@@ -10016,7 +9564,7 @@
       </p:sp>
       <p:pic>
         <p:nvPicPr>
-          <p:cNvPr id="6" name="Picture 5"/>
+          <p:cNvPr id="2" name="Picture 1"/>
           <p:cNvPicPr>
             <a:picLocks noChangeAspect="1"/>
           </p:cNvPicPr>
@@ -10030,14 +9578,13 @@
               </a:ext>
             </a:extLst>
           </a:blip>
-          <a:stretch>
-            <a:fillRect/>
-          </a:stretch>
+          <a:srcRect/>
+          <a:stretch/>
         </p:blipFill>
         <p:spPr>
           <a:xfrm>
-            <a:off x="902272" y="1239716"/>
-            <a:ext cx="10383092" cy="5509394"/>
+            <a:off x="960703" y="1269000"/>
+            <a:ext cx="10270594" cy="5404809"/>
           </a:xfrm>
           <a:prstGeom prst="rect">
             <a:avLst/>
@@ -10091,38 +9638,32 @@
       </p:grpSpPr>
       <p:pic>
         <p:nvPicPr>
-          <p:cNvPr id="8" name="Picture 7"/>
+          <p:cNvPr id="9" name="Picture 8">
+            <a:extLst>
+              <a:ext uri="{FF2B5EF4-FFF2-40B4-BE49-F238E27FC236}">
+                <a16:creationId xmlns:a16="http://schemas.microsoft.com/office/drawing/2014/main" id="{B924ED6D-0C1B-B988-4F69-B6E23FBCF0F9}"/>
+              </a:ext>
+            </a:extLst>
+          </p:cNvPr>
           <p:cNvPicPr>
             <a:picLocks noChangeAspect="1"/>
           </p:cNvPicPr>
           <p:nvPr/>
         </p:nvPicPr>
-        <p:blipFill rotWithShape="1">
-          <a:blip r:embed="rId2">
-            <a:extLst>
-              <a:ext uri="{28A0092B-C50C-407E-A947-70E740481C1C}">
-                <a14:useLocalDpi xmlns:a14="http://schemas.microsoft.com/office/drawing/2010/main" val="0"/>
-              </a:ext>
-            </a:extLst>
-          </a:blip>
-          <a:srcRect b="11990"/>
-          <a:stretch/>
+        <p:blipFill>
+          <a:blip r:embed="rId2"/>
+          <a:stretch>
+            <a:fillRect/>
+          </a:stretch>
         </p:blipFill>
         <p:spPr>
           <a:xfrm>
-            <a:off x="514069" y="1269930"/>
-            <a:ext cx="11163862" cy="5352026"/>
+            <a:off x="960703" y="1269000"/>
+            <a:ext cx="10270594" cy="5423797"/>
           </a:xfrm>
           <a:prstGeom prst="rect">
             <a:avLst/>
           </a:prstGeom>
-          <a:ln>
-            <a:solidFill>
-              <a:schemeClr val="bg2">
-                <a:lumMod val="75000"/>
-              </a:schemeClr>
-            </a:solidFill>
-          </a:ln>
         </p:spPr>
       </p:pic>
       <p:sp>
@@ -10182,7 +9723,7 @@
         </p:nvSpPr>
         <p:spPr bwMode="auto">
           <a:xfrm>
-            <a:off x="4095045" y="2002976"/>
+            <a:off x="6160600" y="2674160"/>
             <a:ext cx="197799" cy="217081"/>
           </a:xfrm>
           <a:prstGeom prst="rect">
@@ -10248,13 +9789,13 @@
         </p:nvSpPr>
         <p:spPr bwMode="auto">
           <a:xfrm>
-            <a:off x="4362090" y="2754001"/>
-            <a:ext cx="6503910" cy="1845000"/>
+            <a:off x="4836000" y="3474000"/>
+            <a:ext cx="6503910" cy="1755000"/>
           </a:xfrm>
           <a:prstGeom prst="wedgeRoundRectCallout">
             <a:avLst>
-              <a:gd name="adj1" fmla="val -51918"/>
-              <a:gd name="adj2" fmla="val -77132"/>
+              <a:gd name="adj1" fmla="val -27392"/>
+              <a:gd name="adj2" fmla="val -76306"/>
               <a:gd name="adj3" fmla="val 16667"/>
             </a:avLst>
           </a:prstGeom>
@@ -10493,27 +10034,28 @@
       </p:grpSpPr>
       <p:pic>
         <p:nvPicPr>
-          <p:cNvPr id="13" name="Picture 12"/>
+          <p:cNvPr id="2" name="Picture 1">
+            <a:extLst>
+              <a:ext uri="{FF2B5EF4-FFF2-40B4-BE49-F238E27FC236}">
+                <a16:creationId xmlns:a16="http://schemas.microsoft.com/office/drawing/2014/main" id="{331529F1-62B7-905D-157B-29FE50BDC269}"/>
+              </a:ext>
+            </a:extLst>
+          </p:cNvPr>
           <p:cNvPicPr>
             <a:picLocks noChangeAspect="1"/>
           </p:cNvPicPr>
           <p:nvPr/>
         </p:nvPicPr>
-        <p:blipFill rotWithShape="1">
-          <a:blip r:embed="rId2">
-            <a:extLst>
-              <a:ext uri="{28A0092B-C50C-407E-A947-70E740481C1C}">
-                <a14:useLocalDpi xmlns:a14="http://schemas.microsoft.com/office/drawing/2010/main" val="0"/>
-              </a:ext>
-            </a:extLst>
-          </a:blip>
-          <a:srcRect b="10838"/>
-          <a:stretch/>
+        <p:blipFill>
+          <a:blip r:embed="rId2"/>
+          <a:stretch>
+            <a:fillRect/>
+          </a:stretch>
         </p:blipFill>
         <p:spPr>
           <a:xfrm>
-            <a:off x="514069" y="1269930"/>
-            <a:ext cx="11163862" cy="5352026"/>
+            <a:off x="960703" y="1269000"/>
+            <a:ext cx="10270594" cy="5423797"/>
           </a:xfrm>
           <a:prstGeom prst="rect">
             <a:avLst/>
@@ -10527,6 +10069,48 @@
           </a:ln>
         </p:spPr>
       </p:pic>
+      <p:pic>
+        <p:nvPicPr>
+          <p:cNvPr id="14" name="Picture 13">
+            <a:extLst>
+              <a:ext uri="{FF2B5EF4-FFF2-40B4-BE49-F238E27FC236}">
+                <a16:creationId xmlns:a16="http://schemas.microsoft.com/office/drawing/2014/main" id="{2E033325-34E5-4B57-AA34-53EAB025E568}"/>
+              </a:ext>
+            </a:extLst>
+          </p:cNvPr>
+          <p:cNvPicPr>
+            <a:picLocks noChangeAspect="1"/>
+          </p:cNvPicPr>
+          <p:nvPr/>
+        </p:nvPicPr>
+        <p:blipFill>
+          <a:blip r:embed="rId3">
+            <a:extLst>
+              <a:ext uri="{28A0092B-C50C-407E-A947-70E740481C1C}">
+                <a14:useLocalDpi xmlns:a14="http://schemas.microsoft.com/office/drawing/2010/main" val="0"/>
+              </a:ext>
+            </a:extLst>
+          </a:blip>
+          <a:srcRect/>
+          <a:stretch/>
+        </p:blipFill>
+        <p:spPr>
+          <a:xfrm>
+            <a:off x="3984952" y="1904897"/>
+            <a:ext cx="3829437" cy="4622866"/>
+          </a:xfrm>
+          <a:prstGeom prst="rect">
+            <a:avLst/>
+          </a:prstGeom>
+          <a:ln>
+            <a:solidFill>
+              <a:schemeClr val="bg2">
+                <a:lumMod val="75000"/>
+              </a:schemeClr>
+            </a:solidFill>
+          </a:ln>
+        </p:spPr>
+      </p:pic>
       <p:sp>
         <p:nvSpPr>
           <p:cNvPr id="3" name="Title 2"/>
@@ -10584,13 +10168,13 @@
         </p:nvSpPr>
         <p:spPr bwMode="auto">
           <a:xfrm>
-            <a:off x="3895725" y="1819275"/>
+            <a:off x="2496000" y="1576546"/>
             <a:ext cx="2724150" cy="733425"/>
           </a:xfrm>
           <a:prstGeom prst="wedgeRoundRectCallout">
             <a:avLst>
-              <a:gd name="adj1" fmla="val 20775"/>
-              <a:gd name="adj2" fmla="val 132630"/>
+              <a:gd name="adj1" fmla="val 38020"/>
+              <a:gd name="adj2" fmla="val 88021"/>
               <a:gd name="adj3" fmla="val 16667"/>
             </a:avLst>
           </a:prstGeom>
@@ -10673,7 +10257,7 @@
         </p:nvSpPr>
         <p:spPr bwMode="auto">
           <a:xfrm>
-            <a:off x="7439024" y="2371725"/>
+            <a:off x="7727292" y="2079000"/>
             <a:ext cx="2466975" cy="1028700"/>
           </a:xfrm>
           <a:prstGeom prst="wedgeRoundRectCallout">
@@ -10762,7 +10346,7 @@
         </p:nvSpPr>
         <p:spPr bwMode="auto">
           <a:xfrm>
-            <a:off x="2031829" y="3525097"/>
+            <a:off x="1692173" y="3024000"/>
             <a:ext cx="2466975" cy="1028700"/>
           </a:xfrm>
           <a:prstGeom prst="wedgeRoundRectCallout">
@@ -10851,13 +10435,13 @@
         </p:nvSpPr>
         <p:spPr bwMode="auto">
           <a:xfrm>
-            <a:off x="7487793" y="4668467"/>
+            <a:off x="8122837" y="4768755"/>
             <a:ext cx="2619376" cy="1028700"/>
           </a:xfrm>
           <a:prstGeom prst="wedgeRoundRectCallout">
             <a:avLst>
-              <a:gd name="adj1" fmla="val -62816"/>
-              <a:gd name="adj2" fmla="val -54117"/>
+              <a:gd name="adj1" fmla="val -68901"/>
+              <a:gd name="adj2" fmla="val -38623"/>
               <a:gd name="adj3" fmla="val 16667"/>
             </a:avLst>
           </a:prstGeom>
@@ -10940,8 +10524,8 @@
         </p:nvSpPr>
         <p:spPr bwMode="auto">
           <a:xfrm>
-            <a:off x="4869595" y="4335148"/>
-            <a:ext cx="1039852" cy="328927"/>
+            <a:off x="4125118" y="4335149"/>
+            <a:ext cx="1700882" cy="473648"/>
           </a:xfrm>
           <a:prstGeom prst="rect">
             <a:avLst/>
@@ -11006,8 +10590,8 @@
         </p:nvSpPr>
         <p:spPr bwMode="auto">
           <a:xfrm>
-            <a:off x="5909447" y="4336956"/>
-            <a:ext cx="1234303" cy="327120"/>
+            <a:off x="5826001" y="4336955"/>
+            <a:ext cx="1845000" cy="471841"/>
           </a:xfrm>
           <a:prstGeom prst="rect">
             <a:avLst/>
@@ -11072,13 +10656,13 @@
         </p:nvSpPr>
         <p:spPr bwMode="auto">
           <a:xfrm>
-            <a:off x="1593605" y="5094393"/>
-            <a:ext cx="2695574" cy="1457225"/>
+            <a:off x="329710" y="5481370"/>
+            <a:ext cx="3829438" cy="1187618"/>
           </a:xfrm>
           <a:prstGeom prst="wedgeRoundRectCallout">
             <a:avLst>
-              <a:gd name="adj1" fmla="val 70738"/>
-              <a:gd name="adj2" fmla="val -31404"/>
+              <a:gd name="adj1" fmla="val 55323"/>
+              <a:gd name="adj2" fmla="val -26531"/>
               <a:gd name="adj3" fmla="val 16667"/>
             </a:avLst>
           </a:prstGeom>
@@ -13631,7 +13215,7 @@
 </file>
 
 <file path=ppt/slides/slide22.xml><?xml version="1.0" encoding="utf-8"?>
-<p:sld xmlns:a="http://schemas.openxmlformats.org/drawingml/2006/main" xmlns:r="http://schemas.openxmlformats.org/officeDocument/2006/relationships" xmlns:p="http://schemas.openxmlformats.org/presentationml/2006/main">
+<p:sld xmlns:a="http://schemas.openxmlformats.org/drawingml/2006/main" xmlns:r="http://schemas.openxmlformats.org/officeDocument/2006/relationships" xmlns:p="http://schemas.openxmlformats.org/presentationml/2006/main" show="0">
   <p:cSld>
     <p:spTree>
       <p:nvGrpSpPr>
@@ -14002,11 +13586,11 @@
   <p:clrMapOvr>
     <a:masterClrMapping/>
   </p:clrMapOvr>
-  <mc:AlternateContent xmlns:mc="http://schemas.openxmlformats.org/markup-compatibility/2006" xmlns:p14="http://schemas.microsoft.com/office/powerpoint/2010/main">
-    <mc:Choice Requires="p14">
+  <mc:AlternateContent xmlns:mc="http://schemas.openxmlformats.org/markup-compatibility/2006">
+    <mc:Choice xmlns:p14="http://schemas.microsoft.com/office/powerpoint/2010/main" Requires="p14">
       <p:transition spd="slow" p14:dur="2000" advClick="0" advTm="5000"/>
     </mc:Choice>
-    <mc:Fallback xmlns="">
+    <mc:Fallback>
       <p:transition spd="slow" advClick="0" advTm="5000"/>
     </mc:Fallback>
   </mc:AlternateContent>
@@ -15015,14 +14599,13 @@
               </a:ext>
             </a:extLst>
           </a:blip>
-          <a:stretch>
-            <a:fillRect/>
-          </a:stretch>
+          <a:srcRect/>
+          <a:stretch/>
         </p:blipFill>
         <p:spPr>
           <a:xfrm>
-            <a:off x="3664733" y="2990788"/>
-            <a:ext cx="4782511" cy="1660343"/>
+            <a:off x="2848251" y="2929175"/>
+            <a:ext cx="6495498" cy="1943534"/>
           </a:xfrm>
           <a:prstGeom prst="rect">
             <a:avLst/>
@@ -15127,72 +14710,6 @@
       </p:sp>
       <p:sp>
         <p:nvSpPr>
-          <p:cNvPr id="9" name="Rectangle 8"/>
-          <p:cNvSpPr/>
-          <p:nvPr/>
-        </p:nvSpPr>
-        <p:spPr bwMode="auto">
-          <a:xfrm>
-            <a:off x="3763108" y="3156438"/>
-            <a:ext cx="1714500" cy="465993"/>
-          </a:xfrm>
-          <a:prstGeom prst="rect">
-            <a:avLst/>
-          </a:prstGeom>
-          <a:noFill/>
-          <a:ln w="57150">
-            <a:solidFill>
-              <a:schemeClr val="tx1">
-                <a:lumMod val="75000"/>
-                <a:alpha val="80000"/>
-              </a:schemeClr>
-            </a:solidFill>
-          </a:ln>
-          <a:effectLst/>
-        </p:spPr>
-        <p:style>
-          <a:lnRef idx="2">
-            <a:schemeClr val="accent1">
-              <a:shade val="50000"/>
-            </a:schemeClr>
-          </a:lnRef>
-          <a:fillRef idx="1001">
-            <a:schemeClr val="dk2"/>
-          </a:fillRef>
-          <a:effectRef idx="0">
-            <a:schemeClr val="accent1"/>
-          </a:effectRef>
-          <a:fontRef idx="minor">
-            <a:schemeClr val="lt1"/>
-          </a:fontRef>
-        </p:style>
-        <p:txBody>
-          <a:bodyPr rot="0" spcFirstLastPara="0" vertOverflow="overflow" horzOverflow="overflow" vert="horz" wrap="square" lIns="91440" tIns="45720" rIns="91440" bIns="45720" numCol="1" spcCol="0" rtlCol="0" fromWordArt="0" anchor="ctr" anchorCtr="0" forceAA="0" compatLnSpc="1">
-            <a:prstTxWarp prst="textNoShape">
-              <a:avLst/>
-            </a:prstTxWarp>
-            <a:noAutofit/>
-          </a:bodyPr>
-          <a:lstStyle/>
-          <a:p>
-            <a:pPr algn="ctr"/>
-            <a:endParaRPr lang="en-US" sz="2800" b="1" dirty="0">
-              <a:solidFill>
-                <a:srgbClr val="FFFFFF"/>
-              </a:solidFill>
-              <a:effectLst>
-                <a:outerShdw blurRad="38100" dist="38100" dir="2700000" algn="tl">
-                  <a:srgbClr val="000000">
-                    <a:alpha val="43137"/>
-                  </a:srgbClr>
-                </a:outerShdw>
-              </a:effectLst>
-            </a:endParaRPr>
-          </a:p>
-        </p:txBody>
-      </p:sp>
-      <p:sp>
-        <p:nvSpPr>
           <p:cNvPr id="10" name="Rounded Rectangular Callout 9"/>
           <p:cNvSpPr/>
           <p:nvPr/>
@@ -15204,8 +14721,8 @@
           </a:xfrm>
           <a:prstGeom prst="wedgeRoundRectCallout">
             <a:avLst>
-              <a:gd name="adj1" fmla="val -32535"/>
-              <a:gd name="adj2" fmla="val 133584"/>
+              <a:gd name="adj1" fmla="val -31520"/>
+              <a:gd name="adj2" fmla="val 142780"/>
               <a:gd name="adj3" fmla="val 16667"/>
             </a:avLst>
           </a:prstGeom>
@@ -15265,72 +14782,6 @@
               </a:rPr>
               <a:t>Размер</a:t>
             </a:r>
-            <a:endParaRPr lang="en-US" sz="2800" b="1" dirty="0">
-              <a:solidFill>
-                <a:srgbClr val="FFFFFF"/>
-              </a:solidFill>
-              <a:effectLst>
-                <a:outerShdw blurRad="38100" dist="38100" dir="2700000" algn="tl">
-                  <a:srgbClr val="000000">
-                    <a:alpha val="43137"/>
-                  </a:srgbClr>
-                </a:outerShdw>
-              </a:effectLst>
-            </a:endParaRPr>
-          </a:p>
-        </p:txBody>
-      </p:sp>
-      <p:sp>
-        <p:nvSpPr>
-          <p:cNvPr id="11" name="Rectangle 10"/>
-          <p:cNvSpPr/>
-          <p:nvPr/>
-        </p:nvSpPr>
-        <p:spPr bwMode="auto">
-          <a:xfrm>
-            <a:off x="5477608" y="3156437"/>
-            <a:ext cx="1608992" cy="465993"/>
-          </a:xfrm>
-          <a:prstGeom prst="rect">
-            <a:avLst/>
-          </a:prstGeom>
-          <a:noFill/>
-          <a:ln w="57150">
-            <a:solidFill>
-              <a:schemeClr val="tx1">
-                <a:lumMod val="75000"/>
-                <a:alpha val="80000"/>
-              </a:schemeClr>
-            </a:solidFill>
-          </a:ln>
-          <a:effectLst/>
-        </p:spPr>
-        <p:style>
-          <a:lnRef idx="2">
-            <a:schemeClr val="accent1">
-              <a:shade val="50000"/>
-            </a:schemeClr>
-          </a:lnRef>
-          <a:fillRef idx="1001">
-            <a:schemeClr val="dk2"/>
-          </a:fillRef>
-          <a:effectRef idx="0">
-            <a:schemeClr val="accent1"/>
-          </a:effectRef>
-          <a:fontRef idx="minor">
-            <a:schemeClr val="lt1"/>
-          </a:fontRef>
-        </p:style>
-        <p:txBody>
-          <a:bodyPr rot="0" spcFirstLastPara="0" vertOverflow="overflow" horzOverflow="overflow" vert="horz" wrap="square" lIns="91440" tIns="45720" rIns="91440" bIns="45720" numCol="1" spcCol="0" rtlCol="0" fromWordArt="0" anchor="ctr" anchorCtr="0" forceAA="0" compatLnSpc="1">
-            <a:prstTxWarp prst="textNoShape">
-              <a:avLst/>
-            </a:prstTxWarp>
-            <a:noAutofit/>
-          </a:bodyPr>
-          <a:lstStyle/>
-          <a:p>
-            <a:pPr algn="ctr"/>
             <a:endParaRPr lang="en-US" sz="2800" b="1" dirty="0">
               <a:solidFill>
                 <a:srgbClr val="FFFFFF"/>
@@ -15440,7 +14891,7 @@
                                           </p:stCondLst>
                                         </p:cTn>
                                         <p:tgtEl>
-                                          <p:spTgt spid="9"/>
+                                          <p:spTgt spid="8"/>
                                         </p:tgtEl>
                                         <p:attrNameLst>
                                           <p:attrName>style.visibility</p:attrName>
@@ -15480,96 +14931,6 @@
                                     <p:set>
                                       <p:cBhvr>
                                         <p:cTn id="10" dur="1" fill="hold">
-                                          <p:stCondLst>
-                                            <p:cond delay="0"/>
-                                          </p:stCondLst>
-                                        </p:cTn>
-                                        <p:tgtEl>
-                                          <p:spTgt spid="8"/>
-                                        </p:tgtEl>
-                                        <p:attrNameLst>
-                                          <p:attrName>style.visibility</p:attrName>
-                                        </p:attrNameLst>
-                                      </p:cBhvr>
-                                      <p:to>
-                                        <p:strVal val="visible"/>
-                                      </p:to>
-                                    </p:set>
-                                  </p:childTnLst>
-                                </p:cTn>
-                              </p:par>
-                            </p:childTnLst>
-                          </p:cTn>
-                        </p:par>
-                      </p:childTnLst>
-                    </p:cTn>
-                  </p:par>
-                  <p:par>
-                    <p:cTn id="11" fill="hold">
-                      <p:stCondLst>
-                        <p:cond delay="indefinite"/>
-                      </p:stCondLst>
-                      <p:childTnLst>
-                        <p:par>
-                          <p:cTn id="12" fill="hold">
-                            <p:stCondLst>
-                              <p:cond delay="0"/>
-                            </p:stCondLst>
-                            <p:childTnLst>
-                              <p:par>
-                                <p:cTn id="13" presetID="1" presetClass="entr" presetSubtype="0" fill="hold" grpId="0" nodeType="clickEffect">
-                                  <p:stCondLst>
-                                    <p:cond delay="0"/>
-                                  </p:stCondLst>
-                                  <p:childTnLst>
-                                    <p:set>
-                                      <p:cBhvr>
-                                        <p:cTn id="14" dur="1" fill="hold">
-                                          <p:stCondLst>
-                                            <p:cond delay="0"/>
-                                          </p:stCondLst>
-                                        </p:cTn>
-                                        <p:tgtEl>
-                                          <p:spTgt spid="11"/>
-                                        </p:tgtEl>
-                                        <p:attrNameLst>
-                                          <p:attrName>style.visibility</p:attrName>
-                                        </p:attrNameLst>
-                                      </p:cBhvr>
-                                      <p:to>
-                                        <p:strVal val="visible"/>
-                                      </p:to>
-                                    </p:set>
-                                  </p:childTnLst>
-                                </p:cTn>
-                              </p:par>
-                            </p:childTnLst>
-                          </p:cTn>
-                        </p:par>
-                      </p:childTnLst>
-                    </p:cTn>
-                  </p:par>
-                  <p:par>
-                    <p:cTn id="15" fill="hold">
-                      <p:stCondLst>
-                        <p:cond delay="indefinite"/>
-                      </p:stCondLst>
-                      <p:childTnLst>
-                        <p:par>
-                          <p:cTn id="16" fill="hold">
-                            <p:stCondLst>
-                              <p:cond delay="0"/>
-                            </p:stCondLst>
-                            <p:childTnLst>
-                              <p:par>
-                                <p:cTn id="17" presetID="1" presetClass="entr" presetSubtype="0" fill="hold" grpId="0" nodeType="clickEffect">
-                                  <p:stCondLst>
-                                    <p:cond delay="0"/>
-                                  </p:stCondLst>
-                                  <p:childTnLst>
-                                    <p:set>
-                                      <p:cBhvr>
-                                        <p:cTn id="18" dur="1" fill="hold">
                                           <p:stCondLst>
                                             <p:cond delay="0"/>
                                           </p:stCondLst>
@@ -15617,9 +14978,7 @@
     </p:tnLst>
     <p:bldLst>
       <p:bldP spid="8" grpId="0" animBg="1"/>
-      <p:bldP spid="9" grpId="0" animBg="1"/>
       <p:bldP spid="10" grpId="0" animBg="1"/>
-      <p:bldP spid="11" grpId="0" animBg="1"/>
     </p:bldLst>
   </p:timing>
 </p:sld>
@@ -15689,14 +15048,13 @@
               </a:ext>
             </a:extLst>
           </a:blip>
-          <a:stretch>
-            <a:fillRect/>
-          </a:stretch>
+          <a:srcRect/>
+          <a:stretch/>
         </p:blipFill>
         <p:spPr>
           <a:xfrm>
-            <a:off x="1004746" y="1232597"/>
-            <a:ext cx="10182508" cy="5402964"/>
+            <a:off x="1004746" y="1254852"/>
+            <a:ext cx="10182508" cy="5358454"/>
           </a:xfrm>
           <a:prstGeom prst="rect">
             <a:avLst/>
@@ -15829,14 +15187,13 @@
               </a:ext>
             </a:extLst>
           </a:blip>
-          <a:stretch>
-            <a:fillRect/>
-          </a:stretch>
+          <a:srcRect/>
+          <a:stretch/>
         </p:blipFill>
         <p:spPr>
           <a:xfrm>
-            <a:off x="3704745" y="2990788"/>
-            <a:ext cx="4782511" cy="1660343"/>
+            <a:off x="3434436" y="2881645"/>
+            <a:ext cx="5323129" cy="1592747"/>
           </a:xfrm>
           <a:prstGeom prst="rect">
             <a:avLst/>
@@ -15858,8 +15215,8 @@
         </p:nvSpPr>
         <p:spPr bwMode="auto">
           <a:xfrm>
-            <a:off x="3867881" y="3718412"/>
-            <a:ext cx="2609117" cy="465993"/>
+            <a:off x="3621000" y="3519000"/>
+            <a:ext cx="2855998" cy="465993"/>
           </a:xfrm>
           <a:prstGeom prst="rect">
             <a:avLst/>
@@ -15924,7 +15281,7 @@
         </p:nvSpPr>
         <p:spPr bwMode="auto">
           <a:xfrm>
-            <a:off x="1511544" y="2462579"/>
+            <a:off x="1281000" y="2373858"/>
             <a:ext cx="1529861" cy="729761"/>
           </a:xfrm>
           <a:prstGeom prst="wedgeRoundRectCallout">
@@ -16013,8 +15370,8 @@
         </p:nvSpPr>
         <p:spPr bwMode="auto">
           <a:xfrm>
-            <a:off x="6476998" y="3718412"/>
-            <a:ext cx="1885951" cy="465993"/>
+            <a:off x="6476998" y="3519000"/>
+            <a:ext cx="2139002" cy="465993"/>
           </a:xfrm>
           <a:prstGeom prst="rect">
             <a:avLst/>
@@ -16079,7 +15436,7 @@
         </p:nvSpPr>
         <p:spPr bwMode="auto">
           <a:xfrm>
-            <a:off x="9445869" y="2462579"/>
+            <a:off x="9651000" y="2394000"/>
             <a:ext cx="1529861" cy="729761"/>
           </a:xfrm>
           <a:prstGeom prst="wedgeRoundRectCallout">
@@ -16503,14 +15860,13 @@
               </a:ext>
             </a:extLst>
           </a:blip>
-          <a:stretch>
-            <a:fillRect/>
-          </a:stretch>
+          <a:srcRect/>
+          <a:stretch/>
         </p:blipFill>
         <p:spPr>
           <a:xfrm>
-            <a:off x="886558" y="1247993"/>
-            <a:ext cx="10418885" cy="5528387"/>
+            <a:off x="960703" y="1270765"/>
+            <a:ext cx="10270594" cy="5404808"/>
           </a:xfrm>
           <a:prstGeom prst="rect">
             <a:avLst/>
